--- a/docs/diagrams/UniquePersonList UML Class Diagram.pptx
+++ b/docs/diagrams/UniquePersonList UML Class Diagram.pptx
@@ -104,6 +104,11 @@
       </a:defRPr>
     </a:lvl9pPr>
   </p:defaultTextStyle>
+  <p:extLst>
+    <p:ext uri="{EFAFB233-063F-42B5-8137-9DF3F51BA10A}">
+      <p15:sldGuideLst xmlns:p15="http://schemas.microsoft.com/office/powerpoint/2012/main"/>
+    </p:ext>
+  </p:extLst>
 </p:presentation>
 </file>
 
@@ -238,7 +243,7 @@
           <a:p>
             <a:fld id="{50CD1CFB-D30D-FE48-B82B-2A1441CEC13E}" type="datetimeFigureOut">
               <a:rPr lang="en-US" smtClean="0"/>
-              <a:t>11/11/17</a:t>
+              <a:t>11/13/17</a:t>
             </a:fld>
             <a:endParaRPr lang="en-US"/>
           </a:p>
@@ -408,7 +413,7 @@
           <a:p>
             <a:fld id="{50CD1CFB-D30D-FE48-B82B-2A1441CEC13E}" type="datetimeFigureOut">
               <a:rPr lang="en-US" smtClean="0"/>
-              <a:t>11/11/17</a:t>
+              <a:t>11/13/17</a:t>
             </a:fld>
             <a:endParaRPr lang="en-US"/>
           </a:p>
@@ -588,7 +593,7 @@
           <a:p>
             <a:fld id="{50CD1CFB-D30D-FE48-B82B-2A1441CEC13E}" type="datetimeFigureOut">
               <a:rPr lang="en-US" smtClean="0"/>
-              <a:t>11/11/17</a:t>
+              <a:t>11/13/17</a:t>
             </a:fld>
             <a:endParaRPr lang="en-US"/>
           </a:p>
@@ -758,7 +763,7 @@
           <a:p>
             <a:fld id="{50CD1CFB-D30D-FE48-B82B-2A1441CEC13E}" type="datetimeFigureOut">
               <a:rPr lang="en-US" smtClean="0"/>
-              <a:t>11/11/17</a:t>
+              <a:t>11/13/17</a:t>
             </a:fld>
             <a:endParaRPr lang="en-US"/>
           </a:p>
@@ -1004,7 +1009,7 @@
           <a:p>
             <a:fld id="{50CD1CFB-D30D-FE48-B82B-2A1441CEC13E}" type="datetimeFigureOut">
               <a:rPr lang="en-US" smtClean="0"/>
-              <a:t>11/11/17</a:t>
+              <a:t>11/13/17</a:t>
             </a:fld>
             <a:endParaRPr lang="en-US"/>
           </a:p>
@@ -1236,7 +1241,7 @@
           <a:p>
             <a:fld id="{50CD1CFB-D30D-FE48-B82B-2A1441CEC13E}" type="datetimeFigureOut">
               <a:rPr lang="en-US" smtClean="0"/>
-              <a:t>11/11/17</a:t>
+              <a:t>11/13/17</a:t>
             </a:fld>
             <a:endParaRPr lang="en-US"/>
           </a:p>
@@ -1603,7 +1608,7 @@
           <a:p>
             <a:fld id="{50CD1CFB-D30D-FE48-B82B-2A1441CEC13E}" type="datetimeFigureOut">
               <a:rPr lang="en-US" smtClean="0"/>
-              <a:t>11/11/17</a:t>
+              <a:t>11/13/17</a:t>
             </a:fld>
             <a:endParaRPr lang="en-US"/>
           </a:p>
@@ -1721,7 +1726,7 @@
           <a:p>
             <a:fld id="{50CD1CFB-D30D-FE48-B82B-2A1441CEC13E}" type="datetimeFigureOut">
               <a:rPr lang="en-US" smtClean="0"/>
-              <a:t>11/11/17</a:t>
+              <a:t>11/13/17</a:t>
             </a:fld>
             <a:endParaRPr lang="en-US"/>
           </a:p>
@@ -1816,7 +1821,7 @@
           <a:p>
             <a:fld id="{50CD1CFB-D30D-FE48-B82B-2A1441CEC13E}" type="datetimeFigureOut">
               <a:rPr lang="en-US" smtClean="0"/>
-              <a:t>11/11/17</a:t>
+              <a:t>11/13/17</a:t>
             </a:fld>
             <a:endParaRPr lang="en-US"/>
           </a:p>
@@ -2093,7 +2098,7 @@
           <a:p>
             <a:fld id="{50CD1CFB-D30D-FE48-B82B-2A1441CEC13E}" type="datetimeFigureOut">
               <a:rPr lang="en-US" smtClean="0"/>
-              <a:t>11/11/17</a:t>
+              <a:t>11/13/17</a:t>
             </a:fld>
             <a:endParaRPr lang="en-US"/>
           </a:p>
@@ -2346,7 +2351,7 @@
           <a:p>
             <a:fld id="{50CD1CFB-D30D-FE48-B82B-2A1441CEC13E}" type="datetimeFigureOut">
               <a:rPr lang="en-US" smtClean="0"/>
-              <a:t>11/11/17</a:t>
+              <a:t>11/13/17</a:t>
             </a:fld>
             <a:endParaRPr lang="en-US"/>
           </a:p>
@@ -2559,7 +2564,7 @@
           <a:p>
             <a:fld id="{50CD1CFB-D30D-FE48-B82B-2A1441CEC13E}" type="datetimeFigureOut">
               <a:rPr lang="en-US" smtClean="0"/>
-              <a:t>11/11/17</a:t>
+              <a:t>11/13/17</a:t>
             </a:fld>
             <a:endParaRPr lang="en-US"/>
           </a:p>
@@ -2973,7 +2978,7 @@
           <p:nvPr>
             <p:extLst>
               <p:ext uri="{D42A27DB-BD31-4B8C-83A1-F6EECF244321}">
-                <p14:modId xmlns:p14="http://schemas.microsoft.com/office/powerpoint/2010/main" val="1763002027"/>
+                <p14:modId xmlns:p14="http://schemas.microsoft.com/office/powerpoint/2010/main" val="1395867243"/>
               </p:ext>
             </p:extLst>
           </p:nvPr>
@@ -3180,7 +3185,19 @@
                       <a:pPr algn="l"/>
                       <a:r>
                         <a:rPr lang="en-US" baseline="0" dirty="0" smtClean="0"/>
-                        <a:t>+ orderBy (paramter : String) : void</a:t>
+                        <a:t>+ </a:t>
+                      </a:r>
+                      <a:r>
+                        <a:rPr lang="en-US" baseline="0" dirty="0" err="1" smtClean="0"/>
+                        <a:t>orderPersonList</a:t>
+                      </a:r>
+                      <a:r>
+                        <a:rPr lang="en-US" baseline="0" dirty="0" smtClean="0"/>
+                        <a:t> </a:t>
+                      </a:r>
+                      <a:r>
+                        <a:rPr lang="en-US" baseline="0" dirty="0" smtClean="0"/>
+                        <a:t>(paramter : String) : void</a:t>
                       </a:r>
                     </a:p>
                     <a:p>
